--- a/yang-manager/reports/NOMS-2010.pptx
+++ b/yang-manager/reports/NOMS-2010.pptx
@@ -5751,7 +5751,7 @@
             <a:fld id="{69351470-D01B-924B-AB3C-0D4571B89327}" type="datetime1">
               <a:rPr lang="fr-FR" smtClean="0"/>
               <a:pPr/>
-              <a:t>13/04/10</a:t>
+              <a:t>19/04/10</a:t>
             </a:fld>
             <a:endParaRPr lang="fr-FR"/>
           </a:p>
@@ -5914,7 +5914,7 @@
             <a:fld id="{94DC8044-5188-1245-98C0-4935C45961F4}" type="datetime1">
               <a:rPr lang="fr-FR" smtClean="0"/>
               <a:pPr/>
-              <a:t>13/04/10</a:t>
+              <a:t>19/04/10</a:t>
             </a:fld>
             <a:endParaRPr lang="fr-FR"/>
           </a:p>
@@ -8130,11 +8130,7 @@
           <a:p>
             <a:r>
               <a:rPr lang="en-US" baseline="0" noProof="0" dirty="0" smtClean="0"/>
-              <a:t>A </a:t>
-            </a:r>
-            <a:r>
-              <a:rPr lang="en-US" baseline="0" noProof="0" dirty="0" smtClean="0"/>
-              <a:t>mapping from Yang to DSDL is already defined in a draft proposition.</a:t>
+              <a:t>A mapping from Yang to DSDL is already defined in a draft proposition.</a:t>
             </a:r>
           </a:p>
           <a:p>
@@ -9382,7 +9378,7 @@
             <a:fld id="{7F2B8709-3F46-DE42-BD3E-692D784503EE}" type="datetime1">
               <a:rPr lang="fr-FR" smtClean="0"/>
               <a:pPr/>
-              <a:t>13/04/10</a:t>
+              <a:t>19/04/10</a:t>
             </a:fld>
             <a:endParaRPr lang="fr-FR"/>
           </a:p>
@@ -9549,7 +9545,7 @@
             <a:fld id="{4EBEFD6C-C087-154D-B622-7C02A58805D5}" type="datetime1">
               <a:rPr lang="fr-FR" smtClean="0"/>
               <a:pPr/>
-              <a:t>13/04/10</a:t>
+              <a:t>19/04/10</a:t>
             </a:fld>
             <a:endParaRPr lang="fr-FR"/>
           </a:p>
@@ -9726,7 +9722,7 @@
             <a:fld id="{07D8C6FC-5D38-E240-8250-E4BC28BDE1B6}" type="datetime1">
               <a:rPr lang="fr-FR" smtClean="0"/>
               <a:pPr/>
-              <a:t>13/04/10</a:t>
+              <a:t>19/04/10</a:t>
             </a:fld>
             <a:endParaRPr lang="fr-FR"/>
           </a:p>
@@ -9893,7 +9889,7 @@
             <a:fld id="{4E2F6B51-FB45-C74D-A600-600DD287541D}" type="datetime1">
               <a:rPr lang="fr-FR" smtClean="0"/>
               <a:pPr/>
-              <a:t>13/04/10</a:t>
+              <a:t>19/04/10</a:t>
             </a:fld>
             <a:endParaRPr lang="fr-FR"/>
           </a:p>
@@ -10136,7 +10132,7 @@
             <a:fld id="{DFEE11C6-5005-A744-9B9D-B94478DE044A}" type="datetime1">
               <a:rPr lang="fr-FR" smtClean="0"/>
               <a:pPr/>
-              <a:t>13/04/10</a:t>
+              <a:t>19/04/10</a:t>
             </a:fld>
             <a:endParaRPr lang="fr-FR"/>
           </a:p>
@@ -10421,7 +10417,7 @@
             <a:fld id="{9202BA27-7F62-034A-AD65-AD2BE6700D12}" type="datetime1">
               <a:rPr lang="fr-FR" smtClean="0"/>
               <a:pPr/>
-              <a:t>13/04/10</a:t>
+              <a:t>19/04/10</a:t>
             </a:fld>
             <a:endParaRPr lang="fr-FR"/>
           </a:p>
@@ -10840,7 +10836,7 @@
             <a:fld id="{33C87D94-F7E6-1E43-8374-5AB40E5CD468}" type="datetime1">
               <a:rPr lang="fr-FR" smtClean="0"/>
               <a:pPr/>
-              <a:t>13/04/10</a:t>
+              <a:t>19/04/10</a:t>
             </a:fld>
             <a:endParaRPr lang="fr-FR"/>
           </a:p>
@@ -10955,7 +10951,7 @@
             <a:fld id="{52EA62D5-502B-6246-986C-7F1DA3AA6C60}" type="datetime1">
               <a:rPr lang="fr-FR" smtClean="0"/>
               <a:pPr/>
-              <a:t>13/04/10</a:t>
+              <a:t>19/04/10</a:t>
             </a:fld>
             <a:endParaRPr lang="fr-FR"/>
           </a:p>
@@ -11047,7 +11043,7 @@
             <a:fld id="{8A43F226-8798-FB4E-9920-C90450151C74}" type="datetime1">
               <a:rPr lang="fr-FR" smtClean="0"/>
               <a:pPr/>
-              <a:t>13/04/10</a:t>
+              <a:t>19/04/10</a:t>
             </a:fld>
             <a:endParaRPr lang="fr-FR"/>
           </a:p>
@@ -11321,7 +11317,7 @@
             <a:fld id="{F3A22977-08BB-B542-B315-0A1A944980B8}" type="datetime1">
               <a:rPr lang="fr-FR" smtClean="0"/>
               <a:pPr/>
-              <a:t>13/04/10</a:t>
+              <a:t>19/04/10</a:t>
             </a:fld>
             <a:endParaRPr lang="fr-FR"/>
           </a:p>
@@ -11571,7 +11567,7 @@
             <a:fld id="{096F2F73-03B7-8F4F-B0B3-3EA33E3C8A3F}" type="datetime1">
               <a:rPr lang="fr-FR" smtClean="0"/>
               <a:pPr/>
-              <a:t>13/04/10</a:t>
+              <a:t>19/04/10</a:t>
             </a:fld>
             <a:endParaRPr lang="fr-FR"/>
           </a:p>
@@ -11781,7 +11777,7 @@
             <a:fld id="{C1D26DE3-065C-5345-9B04-A6BA04230672}" type="datetime1">
               <a:rPr lang="fr-FR" smtClean="0"/>
               <a:pPr/>
-              <a:t>13/04/10</a:t>
+              <a:t>19/04/10</a:t>
             </a:fld>
             <a:endParaRPr lang="fr-FR"/>
           </a:p>
@@ -12901,8 +12897,13 @@
             <a:p>
               <a:r>
                 <a:rPr lang="fr-FR" sz="1200" dirty="0" smtClean="0"/>
-                <a:t>		&lt;/interface&gt;</a:t>
+                <a:t>		&lt;/</a:t>
               </a:r>
+              <a:r>
+                <a:rPr lang="fr-FR" sz="1200" dirty="0" smtClean="0"/>
+                <a:t>interfaces&gt;</a:t>
+              </a:r>
+              <a:endParaRPr lang="fr-FR" sz="1200" dirty="0" smtClean="0"/>
             </a:p>
             <a:p>
               <a:r>
@@ -13189,7 +13190,7 @@
         </p:nvSpPr>
         <p:spPr>
           <a:xfrm>
-            <a:off x="3657600" y="458890"/>
+            <a:off x="3685775" y="447238"/>
             <a:ext cx="1592873" cy="1369910"/>
           </a:xfrm>
           <a:prstGeom prst="rect">
@@ -13701,6 +13702,53 @@
               <a:t> Manager</a:t>
             </a:r>
             <a:endParaRPr lang="fr-FR" dirty="0"/>
+          </a:p>
+        </p:txBody>
+      </p:sp>
+      <p:sp>
+        <p:nvSpPr>
+          <p:cNvPr id="42" name="Rectangle 41"/>
+          <p:cNvSpPr/>
+          <p:nvPr/>
+        </p:nvSpPr>
+        <p:spPr>
+          <a:xfrm>
+            <a:off x="3722726" y="1219200"/>
+            <a:ext cx="1506043" cy="457200"/>
+          </a:xfrm>
+          <a:prstGeom prst="rect">
+            <a:avLst/>
+          </a:prstGeom>
+          <a:solidFill>
+            <a:schemeClr val="bg1"/>
+          </a:solidFill>
+          <a:ln>
+            <a:solidFill>
+              <a:schemeClr val="bg1"/>
+            </a:solidFill>
+          </a:ln>
+          <a:effectLst/>
+        </p:spPr>
+        <p:style>
+          <a:lnRef idx="1">
+            <a:schemeClr val="accent1"/>
+          </a:lnRef>
+          <a:fillRef idx="3">
+            <a:schemeClr val="accent1"/>
+          </a:fillRef>
+          <a:effectRef idx="2">
+            <a:schemeClr val="accent1"/>
+          </a:effectRef>
+          <a:fontRef idx="minor">
+            <a:schemeClr val="lt1"/>
+          </a:fontRef>
+        </p:style>
+        <p:txBody>
+          <a:bodyPr rtlCol="0" anchor="ctr"/>
+          <a:lstStyle/>
+          <a:p>
+            <a:pPr algn="ctr"/>
+            <a:endParaRPr lang="fr-FR"/>
           </a:p>
         </p:txBody>
       </p:sp>
@@ -14563,7 +14611,7 @@
         </p:spPr>
         <p:txBody>
           <a:bodyPr>
-            <a:normAutofit fontScale="92500" lnSpcReduction="10000"/>
+            <a:normAutofit fontScale="85000" lnSpcReduction="20000"/>
           </a:bodyPr>
           <a:lstStyle/>
           <a:p>
@@ -14582,6 +14630,14 @@
             <a:endParaRPr lang="fr-FR" dirty="0" smtClean="0"/>
           </a:p>
           <a:p>
+            <a:pPr lvl="1"/>
+            <a:r>
+              <a:rPr lang="fr-FR" dirty="0" smtClean="0"/>
+              <a:t>Eclipse plugin</a:t>
+            </a:r>
+            <a:endParaRPr lang="fr-FR" dirty="0" smtClean="0"/>
+          </a:p>
+          <a:p>
             <a:r>
               <a:rPr lang="fr-FR" dirty="0" smtClean="0"/>
               <a:t>ENSUITE </a:t>
@@ -14642,11 +14698,23 @@
             </a:r>
             <a:r>
               <a:rPr lang="fr-FR" dirty="0" smtClean="0"/>
-              <a:t> : agent </a:t>
+              <a:t> </a:t>
+            </a:r>
+            <a:r>
+              <a:rPr lang="fr-FR" dirty="0" smtClean="0"/>
+              <a:t>: agent </a:t>
             </a:r>
             <a:r>
               <a:rPr lang="fr-FR" dirty="0" err="1" smtClean="0"/>
               <a:t>builder</a:t>
+            </a:r>
+            <a:endParaRPr lang="fr-FR" dirty="0" smtClean="0"/>
+          </a:p>
+          <a:p>
+            <a:pPr lvl="1"/>
+            <a:r>
+              <a:rPr lang="fr-FR" dirty="0" smtClean="0"/>
+              <a:t>YANG -&gt; stubs/interface</a:t>
             </a:r>
             <a:endParaRPr lang="fr-FR" dirty="0" smtClean="0"/>
           </a:p>
@@ -14729,6 +14797,36 @@
           </a:p>
         </p:txBody>
       </p:sp>
+      <p:sp>
+        <p:nvSpPr>
+          <p:cNvPr id="7" name="ZoneTexte 6"/>
+          <p:cNvSpPr txBox="1"/>
+          <p:nvPr/>
+        </p:nvSpPr>
+        <p:spPr>
+          <a:xfrm rot="18804748">
+            <a:off x="6804481" y="3525597"/>
+            <a:ext cx="2573992" cy="692497"/>
+          </a:xfrm>
+          <a:prstGeom prst="rect">
+            <a:avLst/>
+          </a:prstGeom>
+          <a:noFill/>
+        </p:spPr>
+        <p:txBody>
+          <a:bodyPr wrap="none" rtlCol="0">
+            <a:spAutoFit/>
+          </a:bodyPr>
+          <a:lstStyle/>
+          <a:p>
+            <a:r>
+              <a:rPr lang="fr-FR" sz="3900" dirty="0" smtClean="0"/>
+              <a:t>Questions ?</a:t>
+            </a:r>
+            <a:endParaRPr lang="fr-FR" sz="3900" dirty="0"/>
+          </a:p>
+        </p:txBody>
+      </p:sp>
     </p:spTree>
   </p:cSld>
   <p:clrMapOvr>
@@ -14737,9 +14835,88 @@
   <p:timing>
     <p:tnLst>
       <p:par>
-        <p:cTn id="1" dur="indefinite" restart="never" nodeType="tmRoot"/>
+        <p:cTn id="1" dur="indefinite" restart="never" nodeType="tmRoot">
+          <p:childTnLst>
+            <p:seq concurrent="1" nextAc="seek">
+              <p:cTn id="2" dur="indefinite" nodeType="mainSeq">
+                <p:childTnLst>
+                  <p:par>
+                    <p:cTn id="3" fill="hold">
+                      <p:stCondLst>
+                        <p:cond delay="indefinite"/>
+                      </p:stCondLst>
+                      <p:childTnLst>
+                        <p:par>
+                          <p:cTn id="4" fill="hold">
+                            <p:stCondLst>
+                              <p:cond delay="0"/>
+                            </p:stCondLst>
+                            <p:childTnLst>
+                              <p:par>
+                                <p:cTn id="5" presetID="10" presetClass="entr" presetSubtype="0" fill="hold" grpId="0" nodeType="clickEffect">
+                                  <p:stCondLst>
+                                    <p:cond delay="0"/>
+                                  </p:stCondLst>
+                                  <p:childTnLst>
+                                    <p:set>
+                                      <p:cBhvr>
+                                        <p:cTn id="6" dur="1" fill="hold">
+                                          <p:stCondLst>
+                                            <p:cond delay="0"/>
+                                          </p:stCondLst>
+                                        </p:cTn>
+                                        <p:tgtEl>
+                                          <p:spTgt spid="7"/>
+                                        </p:tgtEl>
+                                        <p:attrNameLst>
+                                          <p:attrName>style.visibility</p:attrName>
+                                        </p:attrNameLst>
+                                      </p:cBhvr>
+                                      <p:to>
+                                        <p:strVal val="visible"/>
+                                      </p:to>
+                                    </p:set>
+                                    <p:animEffect transition="in" filter="fade">
+                                      <p:cBhvr>
+                                        <p:cTn id="7" dur="500"/>
+                                        <p:tgtEl>
+                                          <p:spTgt spid="7"/>
+                                        </p:tgtEl>
+                                      </p:cBhvr>
+                                    </p:animEffect>
+                                  </p:childTnLst>
+                                </p:cTn>
+                              </p:par>
+                            </p:childTnLst>
+                          </p:cTn>
+                        </p:par>
+                      </p:childTnLst>
+                    </p:cTn>
+                  </p:par>
+                </p:childTnLst>
+              </p:cTn>
+              <p:prevCondLst>
+                <p:cond evt="onPrev" delay="0">
+                  <p:tgtEl>
+                    <p:sldTgt/>
+                  </p:tgtEl>
+                </p:cond>
+              </p:prevCondLst>
+              <p:nextCondLst>
+                <p:cond evt="onNext" delay="0">
+                  <p:tgtEl>
+                    <p:sldTgt/>
+                  </p:tgtEl>
+                </p:cond>
+              </p:nextCondLst>
+            </p:seq>
+          </p:childTnLst>
+        </p:cTn>
       </p:par>
     </p:tnLst>
+    <p:bldLst>
+      <p:bldP spid="7" grpId="0"/>
+    </p:bldLst>
   </p:timing>
 </p:sld>
 </file>
@@ -17615,7 +17792,18 @@
               <a:rPr lang="fr-FR" dirty="0" err="1" smtClean="0"/>
               <a:t>framework</a:t>
             </a:r>
-            <a:endParaRPr lang="fr-FR" dirty="0" smtClean="0"/>
+            <a:r>
+              <a:rPr lang="fr-FR" dirty="0" smtClean="0"/>
+              <a:t> (</a:t>
+            </a:r>
+            <a:r>
+              <a:rPr lang="fr-FR" dirty="0" err="1" smtClean="0"/>
+              <a:t>Enable</a:t>
+            </a:r>
+            <a:r>
+              <a:rPr lang="fr-FR" dirty="0" smtClean="0"/>
+              <a:t> Network Suite)</a:t>
+            </a:r>
           </a:p>
           <a:p>
             <a:pPr lvl="1"/>
@@ -17644,11 +17832,12 @@
               <a:rPr lang="fr-FR" dirty="0" smtClean="0"/>
               <a:t> configuration</a:t>
             </a:r>
+            <a:endParaRPr lang="fr-FR" dirty="0" smtClean="0"/>
           </a:p>
           <a:p>
             <a:r>
               <a:rPr lang="fr-FR" dirty="0" smtClean="0"/>
-              <a:t>Futurs </a:t>
+              <a:t>Conclusions   and Futur </a:t>
             </a:r>
             <a:r>
               <a:rPr lang="fr-FR" dirty="0" err="1" smtClean="0"/>
@@ -21442,7 +21631,15 @@
             <a:pPr lvl="1"/>
             <a:r>
               <a:rPr lang="en-US" dirty="0" smtClean="0"/>
-              <a:t>Yang is (will be) a RFC</a:t>
+              <a:t>Yang</a:t>
+            </a:r>
+            <a:r>
+              <a:rPr lang="en-US" dirty="0" smtClean="0"/>
+              <a:t> will be </a:t>
+            </a:r>
+            <a:r>
+              <a:rPr lang="en-US" dirty="0" smtClean="0"/>
+              <a:t>a RFC</a:t>
             </a:r>
           </a:p>
           <a:p>
@@ -21473,7 +21670,6 @@
               <a:rPr lang="en-US" dirty="0" smtClean="0"/>
               <a:t>Reusability, extensibility, refinement</a:t>
             </a:r>
-            <a:endParaRPr lang="en-US" dirty="0" smtClean="0"/>
           </a:p>
           <a:p>
             <a:r>
@@ -21482,22 +21678,26 @@
             </a:r>
             <a:r>
               <a:rPr lang="en-US" dirty="0" smtClean="0"/>
-              <a:t> </a:t>
-            </a:r>
-            <a:r>
-              <a:rPr lang="en-US" dirty="0" smtClean="0"/>
-              <a:t>:</a:t>
-            </a:r>
-            <a:r>
-              <a:rPr lang="en-US" dirty="0" smtClean="0"/>
-              <a:t> </a:t>
+              <a:t> : </a:t>
             </a:r>
           </a:p>
           <a:p>
             <a:pPr lvl="1"/>
             <a:r>
+              <a:rPr lang="fr-FR" sz="2400" i="1" dirty="0" smtClean="0">
+                <a:hlinkClick r:id="rId3"/>
+              </a:rPr>
+              <a:t>http://www.ietf.org/id/draft-ietf-netmod-yang-11.</a:t>
+            </a:r>
+            <a:r>
+              <a:rPr lang="fr-FR" sz="2400" i="1" dirty="0" smtClean="0">
+                <a:hlinkClick r:id="rId3"/>
+              </a:rPr>
+              <a:t>txt</a:t>
+            </a:r>
+            <a:r>
               <a:rPr lang="fr-FR" sz="2400" i="1" dirty="0" smtClean="0"/>
-              <a:t>http://www.ietf.org/id/draft-ietf-netmod-yang-11.txt</a:t>
+              <a:t> (12)</a:t>
             </a:r>
             <a:endParaRPr lang="en-US" sz="2400" i="1" dirty="0" smtClean="0"/>
           </a:p>
@@ -21505,11 +21705,7 @@
             <a:pPr lvl="1"/>
             <a:r>
               <a:rPr lang="fr-FR" sz="2400" i="1" dirty="0" err="1" smtClean="0"/>
-              <a:t>www</a:t>
-            </a:r>
-            <a:r>
-              <a:rPr lang="fr-FR" sz="2400" i="1" dirty="0" err="1" smtClean="0"/>
-              <a:t>.netconfcentral.com</a:t>
+              <a:t>www.netconfcentral.com</a:t>
             </a:r>
             <a:r>
               <a:rPr lang="fr-FR" sz="2400" i="1" dirty="0" smtClean="0"/>
@@ -21558,7 +21754,7 @@
       <p:sp>
         <p:nvSpPr>
           <p:cNvPr id="5" name="Bouton d'action : Suivant 4">
-            <a:hlinkClick r:id="rId3" action="ppaction://hlinksldjump" highlightClick="1"/>
+            <a:hlinkClick r:id="rId4" action="ppaction://hlinksldjump" highlightClick="1"/>
           </p:cNvPr>
           <p:cNvSpPr/>
           <p:nvPr/>
@@ -21572,7 +21768,7 @@
             <a:avLst/>
           </a:prstGeom>
           <a:blipFill rotWithShape="1">
-            <a:blip r:embed="rId4"/>
+            <a:blip r:embed="rId5"/>
             <a:stretch>
               <a:fillRect/>
             </a:stretch>
@@ -24843,7 +25039,7 @@
                                     </p:set>
                                     <p:animEffect transition="in" filter="fade">
                                       <p:cBhvr>
-                                        <p:cTn id="24" dur="2000"/>
+                                        <p:cTn id="24" dur="500"/>
                                         <p:tgtEl>
                                           <p:spTgt spid="162"/>
                                         </p:tgtEl>
@@ -42825,11 +43021,7 @@
             <a:p>
               <a:r>
                 <a:rPr lang="fr-FR" dirty="0" smtClean="0"/>
-                <a:t>u</a:t>
-              </a:r>
-              <a:r>
-                <a:rPr lang="fr-FR" dirty="0" smtClean="0"/>
-                <a:t>ses b;</a:t>
+                <a:t>uses b;</a:t>
               </a:r>
               <a:endParaRPr lang="fr-FR" dirty="0"/>
             </a:p>
@@ -42860,11 +43052,7 @@
           <a:p>
             <a:r>
               <a:rPr lang="fr-FR" dirty="0" smtClean="0"/>
-              <a:t>u</a:t>
-            </a:r>
-            <a:r>
-              <a:rPr lang="fr-FR" dirty="0" smtClean="0"/>
-              <a:t>ses b;</a:t>
+              <a:t>uses b;</a:t>
             </a:r>
             <a:endParaRPr lang="fr-FR" dirty="0"/>
           </a:p>
@@ -42894,11 +43082,7 @@
           <a:p>
             <a:r>
               <a:rPr lang="fr-FR" dirty="0" smtClean="0"/>
-              <a:t>u</a:t>
-            </a:r>
-            <a:r>
-              <a:rPr lang="fr-FR" dirty="0" smtClean="0"/>
-              <a:t>ses b {</a:t>
+              <a:t>uses b {</a:t>
             </a:r>
           </a:p>
           <a:p>
@@ -44365,19 +44549,7 @@
             <a:pPr lvl="1"/>
             <a:r>
               <a:rPr lang="fr-FR" dirty="0" smtClean="0"/>
-              <a:t>http:/</a:t>
-            </a:r>
-            <a:r>
-              <a:rPr lang="fr-FR" dirty="0" smtClean="0"/>
-              <a:t>/code</a:t>
-            </a:r>
-            <a:r>
-              <a:rPr lang="fr-FR" dirty="0" smtClean="0"/>
-              <a:t>.google.com/p/pyang</a:t>
-            </a:r>
-            <a:r>
-              <a:rPr lang="fr-FR" dirty="0" smtClean="0"/>
-              <a:t>/</a:t>
+              <a:t>http://code.google.com/p/pyang/</a:t>
             </a:r>
           </a:p>
           <a:p>
@@ -44729,15 +44901,7 @@
                   <a:srgbClr val="000000"/>
                 </a:solidFill>
               </a:rPr>
-              <a:t> </a:t>
-            </a:r>
-            <a:r>
-              <a:rPr lang="en-US" dirty="0" smtClean="0">
-                <a:solidFill>
-                  <a:srgbClr val="000000"/>
-                </a:solidFill>
-              </a:rPr>
-              <a:t>Operation (get, edit, copy…)</a:t>
+              <a:t> Operation (get, edit, copy…)</a:t>
             </a:r>
             <a:endParaRPr lang="en-US" dirty="0">
               <a:solidFill>
@@ -45475,15 +45639,7 @@
                   <a:srgbClr val="000000"/>
                 </a:solidFill>
               </a:rPr>
-              <a:t> </a:t>
-            </a:r>
-            <a:r>
-              <a:rPr lang="en-US" dirty="0" smtClean="0">
-                <a:solidFill>
-                  <a:srgbClr val="000000"/>
-                </a:solidFill>
-              </a:rPr>
-              <a:t>RPC (query/reply)</a:t>
+              <a:t> RPC (query/reply)</a:t>
             </a:r>
             <a:endParaRPr lang="en-US" dirty="0">
               <a:solidFill>
@@ -45657,11 +45813,7 @@
             </a:r>
             <a:r>
               <a:rPr lang="en-US" sz="2400" i="1" dirty="0" smtClean="0"/>
-              <a:t> :</a:t>
-            </a:r>
-            <a:r>
-              <a:rPr lang="en-US" sz="2400" i="1" dirty="0" smtClean="0"/>
-              <a:t> </a:t>
+              <a:t> : </a:t>
             </a:r>
             <a:r>
               <a:rPr lang="fr-FR" sz="2400" i="1" dirty="0" smtClean="0"/>
@@ -46339,6 +46491,52 @@
           </a:fontRef>
         </p:style>
       </p:cxnSp>
+      <p:sp>
+        <p:nvSpPr>
+          <p:cNvPr id="40" name="ZoneTexte 39"/>
+          <p:cNvSpPr txBox="1"/>
+          <p:nvPr/>
+        </p:nvSpPr>
+        <p:spPr>
+          <a:xfrm>
+            <a:off x="4432588" y="6356351"/>
+            <a:ext cx="5333423" cy="369332"/>
+          </a:xfrm>
+          <a:prstGeom prst="rect">
+            <a:avLst/>
+          </a:prstGeom>
+          <a:noFill/>
+        </p:spPr>
+        <p:txBody>
+          <a:bodyPr wrap="none" rtlCol="0">
+            <a:spAutoFit/>
+          </a:bodyPr>
+          <a:lstStyle/>
+          <a:p>
+            <a:r>
+              <a:rPr lang="fr-FR" i="1" dirty="0" err="1" smtClean="0"/>
+              <a:t>Yet</a:t>
+            </a:r>
+            <a:r>
+              <a:rPr lang="fr-FR" i="1" dirty="0" smtClean="0"/>
+              <a:t> </a:t>
+            </a:r>
+            <a:r>
+              <a:rPr lang="fr-FR" i="1" dirty="0" err="1" smtClean="0"/>
+              <a:t>another</a:t>
+            </a:r>
+            <a:r>
+              <a:rPr lang="fr-FR" i="1" dirty="0" smtClean="0"/>
+              <a:t> network configuration application </a:t>
+            </a:r>
+            <a:r>
+              <a:rPr lang="fr-FR" i="1" dirty="0" err="1" smtClean="0"/>
+              <a:t>protocol</a:t>
+            </a:r>
+            <a:endParaRPr lang="fr-FR" i="1" dirty="0"/>
+          </a:p>
+        </p:txBody>
+      </p:sp>
     </p:spTree>
   </p:cSld>
   <p:clrMapOvr>
@@ -48156,11 +48354,7 @@
             </a:r>
             <a:r>
               <a:rPr lang="en-US" sz="2400" i="1" dirty="0" smtClean="0"/>
-              <a:t> Manager :</a:t>
-            </a:r>
-            <a:r>
-              <a:rPr lang="en-US" sz="2400" i="1" dirty="0" smtClean="0"/>
-              <a:t>  </a:t>
+              <a:t> Manager :  </a:t>
             </a:r>
             <a:r>
               <a:rPr lang="fr-FR" sz="2400" i="1" dirty="0" smtClean="0"/>
@@ -48168,11 +48362,7 @@
             </a:r>
             <a:r>
               <a:rPr lang="en-US" sz="2400" i="1" dirty="0" smtClean="0"/>
-              <a:t> </a:t>
-            </a:r>
-            <a:r>
-              <a:rPr lang="en-US" sz="2400" i="1" dirty="0" smtClean="0"/>
-              <a:t>Client of the ENSUITE framework</a:t>
+              <a:t> Client of the ENSUITE framework</a:t>
             </a:r>
             <a:endParaRPr lang="en-US" sz="2400" i="1" dirty="0"/>
           </a:p>
